--- a/ML_project/rewarding Insurance 202205282249.pptx
+++ b/ML_project/rewarding Insurance 202205282249.pptx
@@ -5,10 +5,10 @@
     <p:sldMasterId id="2147483648" r:id="rId4"/>
   </p:sldMasterIdLst>
   <p:notesMasterIdLst>
-    <p:notesMasterId r:id="rId25"/>
+    <p:notesMasterId r:id="rId24"/>
   </p:notesMasterIdLst>
   <p:handoutMasterIdLst>
-    <p:handoutMasterId r:id="rId26"/>
+    <p:handoutMasterId r:id="rId25"/>
   </p:handoutMasterIdLst>
   <p:sldIdLst>
     <p:sldId id="256" r:id="rId5"/>
@@ -29,8 +29,7 @@
     <p:sldId id="269" r:id="rId20"/>
     <p:sldId id="270" r:id="rId21"/>
     <p:sldId id="272" r:id="rId22"/>
-    <p:sldId id="275" r:id="rId23"/>
-    <p:sldId id="276" r:id="rId24"/>
+    <p:sldId id="276" r:id="rId23"/>
   </p:sldIdLst>
   <p:sldSz cx="12192000" cy="6858000"/>
   <p:notesSz cx="6858000" cy="9144000"/>
@@ -242,7 +241,7 @@
             <a:pPr rtl="0"/>
             <a:fld id="{91ADC225-6AE7-47A5-A54C-8B72C1384C15}" type="datetime1">
               <a:rPr lang="pl-PL" smtClean="0"/>
-              <a:t>28.05.2022</a:t>
+              <a:t>29.05.2022</a:t>
             </a:fld>
             <a:endParaRPr lang="pl-PL" dirty="0"/>
           </a:p>
@@ -423,7 +422,7 @@
             <a:fld id="{A3BA6A65-3A4A-411E-AD02-233752A20BF1}" type="datetime1">
               <a:rPr lang="pl-PL" smtClean="0"/>
               <a:pPr/>
-              <a:t>28.05.2022</a:t>
+              <a:t>29.05.2022</a:t>
             </a:fld>
             <a:endParaRPr lang="pl-PL" dirty="0"/>
           </a:p>
@@ -1619,7 +1618,7 @@
     </p:spTree>
     <p:extLst>
       <p:ext uri="{BB962C8B-B14F-4D97-AF65-F5344CB8AC3E}">
-        <p14:creationId xmlns:p14="http://schemas.microsoft.com/office/powerpoint/2010/main" val="2263672148"/>
+        <p14:creationId xmlns:p14="http://schemas.microsoft.com/office/powerpoint/2010/main" val="4033789219"/>
       </p:ext>
     </p:extLst>
   </p:cSld>
@@ -1705,91 +1704,6 @@
     <p:extLst>
       <p:ext uri="{BB962C8B-B14F-4D97-AF65-F5344CB8AC3E}">
         <p14:creationId xmlns:p14="http://schemas.microsoft.com/office/powerpoint/2010/main" val="853138697"/>
-      </p:ext>
-    </p:extLst>
-  </p:cSld>
-  <p:clrMapOvr>
-    <a:masterClrMapping/>
-  </p:clrMapOvr>
-</p:notes>
-</file>
-
-<file path=ppt/notesSlides/notesSlide20.xml><?xml version="1.0" encoding="utf-8"?>
-<p:notes xmlns:a="http://schemas.openxmlformats.org/drawingml/2006/main" xmlns:r="http://schemas.openxmlformats.org/officeDocument/2006/relationships" xmlns:p="http://schemas.openxmlformats.org/presentationml/2006/main">
-  <p:cSld>
-    <p:spTree>
-      <p:nvGrpSpPr>
-        <p:cNvPr id="1" name=""/>
-        <p:cNvGrpSpPr/>
-        <p:nvPr/>
-      </p:nvGrpSpPr>
-      <p:grpSpPr>
-        <a:xfrm>
-          <a:off x="0" y="0"/>
-          <a:ext cx="0" cy="0"/>
-          <a:chOff x="0" y="0"/>
-          <a:chExt cx="0" cy="0"/>
-        </a:xfrm>
-      </p:grpSpPr>
-      <p:sp>
-        <p:nvSpPr>
-          <p:cNvPr id="2" name="Symbol zastępczy obrazu slajdu 1"/>
-          <p:cNvSpPr>
-            <a:spLocks noGrp="1" noRot="1" noChangeAspect="1"/>
-          </p:cNvSpPr>
-          <p:nvPr>
-            <p:ph type="sldImg"/>
-          </p:nvPr>
-        </p:nvSpPr>
-        <p:spPr/>
-      </p:sp>
-      <p:sp>
-        <p:nvSpPr>
-          <p:cNvPr id="3" name="Symbol zastępczy notatek 2"/>
-          <p:cNvSpPr>
-            <a:spLocks noGrp="1"/>
-          </p:cNvSpPr>
-          <p:nvPr>
-            <p:ph type="body" idx="1"/>
-          </p:nvPr>
-        </p:nvSpPr>
-        <p:spPr/>
-        <p:txBody>
-          <a:bodyPr/>
-          <a:lstStyle/>
-          <a:p>
-            <a:endParaRPr lang="pl-PL" noProof="0" dirty="0"/>
-          </a:p>
-        </p:txBody>
-      </p:sp>
-      <p:sp>
-        <p:nvSpPr>
-          <p:cNvPr id="4" name="Symbol zastępczy numeru slajdu 3"/>
-          <p:cNvSpPr>
-            <a:spLocks noGrp="1"/>
-          </p:cNvSpPr>
-          <p:nvPr>
-            <p:ph type="sldNum" sz="quarter" idx="5"/>
-          </p:nvPr>
-        </p:nvSpPr>
-        <p:spPr/>
-        <p:txBody>
-          <a:bodyPr/>
-          <a:lstStyle/>
-          <a:p>
-            <a:pPr rtl="0"/>
-            <a:fld id="{2CB3F336-7DD2-47CF-A0F3-D1163B2A9C10}" type="slidenum">
-              <a:rPr lang="pl-PL" smtClean="0"/>
-              <a:t>20</a:t>
-            </a:fld>
-            <a:endParaRPr lang="pl-PL"/>
-          </a:p>
-        </p:txBody>
-      </p:sp>
-    </p:spTree>
-    <p:extLst>
-      <p:ext uri="{BB962C8B-B14F-4D97-AF65-F5344CB8AC3E}">
-        <p14:creationId xmlns:p14="http://schemas.microsoft.com/office/powerpoint/2010/main" val="4033789219"/>
       </p:ext>
     </p:extLst>
   </p:cSld>
@@ -12911,302 +12825,6 @@
           <a:chExt cx="0" cy="0"/>
         </a:xfrm>
       </p:grpSpPr>
-      <p:sp>
-        <p:nvSpPr>
-          <p:cNvPr id="22" name="Tytuł 21">
-            <a:extLst>
-              <a:ext uri="{FF2B5EF4-FFF2-40B4-BE49-F238E27FC236}">
-                <a16:creationId xmlns:a16="http://schemas.microsoft.com/office/drawing/2014/main" id="{C972A2AA-2BCB-4C1E-90E7-26B47F79D5F2}"/>
-              </a:ext>
-            </a:extLst>
-          </p:cNvPr>
-          <p:cNvSpPr>
-            <a:spLocks noGrp="1"/>
-          </p:cNvSpPr>
-          <p:nvPr>
-            <p:ph type="title"/>
-          </p:nvPr>
-        </p:nvSpPr>
-        <p:spPr>
-          <a:xfrm>
-            <a:off x="2835478" y="671808"/>
-            <a:ext cx="7717871" cy="639192"/>
-          </a:xfrm>
-        </p:spPr>
-        <p:txBody>
-          <a:bodyPr rtlCol="0"/>
-          <a:lstStyle/>
-          <a:p>
-            <a:pPr rtl="0"/>
-            <a:r>
-              <a:rPr lang="pl-PL" dirty="0">
-                <a:solidFill>
-                  <a:schemeClr val="accent4"/>
-                </a:solidFill>
-              </a:rPr>
-              <a:t>Wybór modelu ML</a:t>
-            </a:r>
-          </a:p>
-        </p:txBody>
-      </p:sp>
-      <p:sp>
-        <p:nvSpPr>
-          <p:cNvPr id="48" name="Tekst — symbol zastępczy 47">
-            <a:extLst>
-              <a:ext uri="{FF2B5EF4-FFF2-40B4-BE49-F238E27FC236}">
-                <a16:creationId xmlns:a16="http://schemas.microsoft.com/office/drawing/2014/main" id="{EE8B86B4-61AE-484E-9C6C-689C6BFFADE0}"/>
-              </a:ext>
-            </a:extLst>
-          </p:cNvPr>
-          <p:cNvSpPr>
-            <a:spLocks noGrp="1"/>
-          </p:cNvSpPr>
-          <p:nvPr>
-            <p:ph type="body" sz="quarter" idx="17"/>
-          </p:nvPr>
-        </p:nvSpPr>
-        <p:spPr>
-          <a:xfrm>
-            <a:off x="1093644" y="1819719"/>
-            <a:ext cx="1828510" cy="859743"/>
-          </a:xfrm>
-        </p:spPr>
-        <p:txBody>
-          <a:bodyPr rtlCol="0"/>
-          <a:lstStyle/>
-          <a:p>
-            <a:pPr rtl="0"/>
-            <a:r>
-              <a:rPr lang="pl-PL" dirty="0"/>
-              <a:t>modele</a:t>
-            </a:r>
-          </a:p>
-        </p:txBody>
-      </p:sp>
-      <p:sp>
-        <p:nvSpPr>
-          <p:cNvPr id="60" name="Tekst — symbol zastępczy 59">
-            <a:extLst>
-              <a:ext uri="{FF2B5EF4-FFF2-40B4-BE49-F238E27FC236}">
-                <a16:creationId xmlns:a16="http://schemas.microsoft.com/office/drawing/2014/main" id="{93448483-F045-4E43-A037-C130C4E72DF7}"/>
-              </a:ext>
-            </a:extLst>
-          </p:cNvPr>
-          <p:cNvSpPr>
-            <a:spLocks noGrp="1"/>
-          </p:cNvSpPr>
-          <p:nvPr>
-            <p:ph type="body" sz="quarter" idx="16"/>
-          </p:nvPr>
-        </p:nvSpPr>
-        <p:spPr>
-          <a:xfrm>
-            <a:off x="855037" y="3188181"/>
-            <a:ext cx="2937452" cy="2213873"/>
-          </a:xfrm>
-        </p:spPr>
-        <p:txBody>
-          <a:bodyPr rtlCol="0">
-            <a:normAutofit/>
-          </a:bodyPr>
-          <a:lstStyle/>
-          <a:p>
-            <a:pPr algn="l" rtl="0"/>
-            <a:r>
-              <a:rPr lang="pl-PL" sz="1200" dirty="0"/>
-              <a:t>Przed wyborem właściwego modelu wykonaliśmy szereg predykcji na takich modelach jak:</a:t>
-            </a:r>
-          </a:p>
-          <a:p>
-            <a:pPr marL="285750" indent="-285750" algn="l" rtl="0">
-              <a:buFont typeface="Arial" panose="020B0604020202020204" pitchFamily="34" charset="0"/>
-              <a:buChar char="•"/>
-            </a:pPr>
-            <a:r>
-              <a:rPr lang="pl-PL" sz="1200" dirty="0" err="1"/>
-              <a:t>Linear</a:t>
-            </a:r>
-            <a:r>
-              <a:rPr lang="pl-PL" sz="1200" dirty="0"/>
-              <a:t> </a:t>
-            </a:r>
-            <a:r>
-              <a:rPr lang="pl-PL" sz="1200" dirty="0" err="1"/>
-              <a:t>Regression</a:t>
-            </a:r>
-            <a:endParaRPr lang="pl-PL" sz="1200" dirty="0"/>
-          </a:p>
-          <a:p>
-            <a:pPr marL="285750" indent="-285750" algn="l" rtl="0">
-              <a:buFont typeface="Arial" panose="020B0604020202020204" pitchFamily="34" charset="0"/>
-              <a:buChar char="•"/>
-            </a:pPr>
-            <a:r>
-              <a:rPr lang="pl-PL" sz="1200" dirty="0" err="1"/>
-              <a:t>Random</a:t>
-            </a:r>
-            <a:r>
-              <a:rPr lang="pl-PL" sz="1200" dirty="0"/>
-              <a:t> </a:t>
-            </a:r>
-            <a:r>
-              <a:rPr lang="pl-PL" sz="1200" dirty="0" err="1"/>
-              <a:t>Forest</a:t>
-            </a:r>
-            <a:r>
-              <a:rPr lang="pl-PL" sz="1200" dirty="0"/>
-              <a:t> </a:t>
-            </a:r>
-            <a:r>
-              <a:rPr lang="pl-PL" sz="1200" dirty="0" err="1"/>
-              <a:t>Regressor</a:t>
-            </a:r>
-            <a:endParaRPr lang="pl-PL" sz="1200" dirty="0"/>
-          </a:p>
-          <a:p>
-            <a:pPr marL="285750" indent="-285750" algn="l" rtl="0">
-              <a:buFont typeface="Arial" panose="020B0604020202020204" pitchFamily="34" charset="0"/>
-              <a:buChar char="•"/>
-            </a:pPr>
-            <a:r>
-              <a:rPr lang="pl-PL" sz="1200" dirty="0" err="1"/>
-              <a:t>Decision</a:t>
-            </a:r>
-            <a:r>
-              <a:rPr lang="pl-PL" sz="1200" dirty="0"/>
-              <a:t> </a:t>
-            </a:r>
-            <a:r>
-              <a:rPr lang="pl-PL" sz="1200" dirty="0" err="1"/>
-              <a:t>TreeRegression</a:t>
-            </a:r>
-            <a:endParaRPr lang="pl-PL" sz="1200" dirty="0"/>
-          </a:p>
-          <a:p>
-            <a:pPr marL="285750" indent="-285750" algn="l" rtl="0">
-              <a:buFont typeface="Arial" panose="020B0604020202020204" pitchFamily="34" charset="0"/>
-              <a:buChar char="•"/>
-            </a:pPr>
-            <a:r>
-              <a:rPr lang="pl-PL" sz="1200" dirty="0"/>
-              <a:t>XGBOOST</a:t>
-            </a:r>
-          </a:p>
-        </p:txBody>
-      </p:sp>
-      <p:sp>
-        <p:nvSpPr>
-          <p:cNvPr id="36" name="Data — symbol zastępczy 35">
-            <a:extLst>
-              <a:ext uri="{FF2B5EF4-FFF2-40B4-BE49-F238E27FC236}">
-                <a16:creationId xmlns:a16="http://schemas.microsoft.com/office/drawing/2014/main" id="{10694545-A8FE-483D-94C3-24FA9AB6BE91}"/>
-              </a:ext>
-            </a:extLst>
-          </p:cNvPr>
-          <p:cNvSpPr>
-            <a:spLocks noGrp="1"/>
-          </p:cNvSpPr>
-          <p:nvPr>
-            <p:ph type="dt" sz="half" idx="10"/>
-          </p:nvPr>
-        </p:nvSpPr>
-        <p:spPr>
-          <a:xfrm>
-            <a:off x="838200" y="6515753"/>
-            <a:ext cx="2743200" cy="205722"/>
-          </a:xfrm>
-        </p:spPr>
-        <p:txBody>
-          <a:bodyPr rtlCol="0"/>
-          <a:lstStyle/>
-          <a:p>
-            <a:pPr rtl="0"/>
-            <a:r>
-              <a:rPr lang="pl-PL" dirty="0"/>
-              <a:t>2022-05-29</a:t>
-            </a:r>
-          </a:p>
-        </p:txBody>
-      </p:sp>
-      <p:sp>
-        <p:nvSpPr>
-          <p:cNvPr id="37" name="Stopka — symbol zastępczy 36">
-            <a:extLst>
-              <a:ext uri="{FF2B5EF4-FFF2-40B4-BE49-F238E27FC236}">
-                <a16:creationId xmlns:a16="http://schemas.microsoft.com/office/drawing/2014/main" id="{75D88A5F-229A-4F6F-BF0E-AC5CFF4F45DE}"/>
-              </a:ext>
-            </a:extLst>
-          </p:cNvPr>
-          <p:cNvSpPr>
-            <a:spLocks noGrp="1"/>
-          </p:cNvSpPr>
-          <p:nvPr>
-            <p:ph type="ftr" sz="quarter" idx="11"/>
-          </p:nvPr>
-        </p:nvSpPr>
-        <p:spPr>
-          <a:xfrm>
-            <a:off x="4038600" y="6515753"/>
-            <a:ext cx="4114800" cy="205722"/>
-          </a:xfrm>
-        </p:spPr>
-        <p:txBody>
-          <a:bodyPr rtlCol="0"/>
-          <a:lstStyle/>
-          <a:p>
-            <a:pPr rtl="0"/>
-            <a:r>
-              <a:rPr lang="pl-PL" dirty="0" err="1"/>
-              <a:t>Rewarding</a:t>
-            </a:r>
-            <a:r>
-              <a:rPr lang="pl-PL" dirty="0"/>
-              <a:t> </a:t>
-            </a:r>
-            <a:r>
-              <a:rPr lang="pl-PL" dirty="0" err="1"/>
-              <a:t>insurance</a:t>
-            </a:r>
-            <a:endParaRPr lang="pl-PL" dirty="0"/>
-          </a:p>
-        </p:txBody>
-      </p:sp>
-      <p:sp>
-        <p:nvSpPr>
-          <p:cNvPr id="38" name="Numer slajdu — symbol zastępczy 37">
-            <a:extLst>
-              <a:ext uri="{FF2B5EF4-FFF2-40B4-BE49-F238E27FC236}">
-                <a16:creationId xmlns:a16="http://schemas.microsoft.com/office/drawing/2014/main" id="{75D4274A-BC04-4AC5-87FA-7EC4AD5BB950}"/>
-              </a:ext>
-            </a:extLst>
-          </p:cNvPr>
-          <p:cNvSpPr>
-            <a:spLocks noGrp="1"/>
-          </p:cNvSpPr>
-          <p:nvPr>
-            <p:ph type="sldNum" sz="quarter" idx="12"/>
-          </p:nvPr>
-        </p:nvSpPr>
-        <p:spPr>
-          <a:xfrm>
-            <a:off x="8610600" y="6515753"/>
-            <a:ext cx="2743200" cy="205722"/>
-          </a:xfrm>
-        </p:spPr>
-        <p:txBody>
-          <a:bodyPr rtlCol="0"/>
-          <a:lstStyle/>
-          <a:p>
-            <a:pPr rtl="0"/>
-            <a:fld id="{BF860B6F-2FE3-4DE6-9496-980E987E7466}" type="slidenum">
-              <a:rPr lang="pl-PL" smtClean="0"/>
-              <a:pPr/>
-              <a:t>10</a:t>
-            </a:fld>
-            <a:endParaRPr lang="pl-PL"/>
-          </a:p>
-        </p:txBody>
-      </p:sp>
       <p:grpSp>
         <p:nvGrpSpPr>
           <p:cNvPr id="12" name="Group 9">
@@ -13221,10 +12839,10 @@
         </p:nvGrpSpPr>
         <p:grpSpPr>
           <a:xfrm>
-            <a:off x="4390880" y="1530692"/>
-            <a:ext cx="6946083" cy="4861719"/>
-            <a:chOff x="2662689" y="1776176"/>
-            <a:chExt cx="6608613" cy="5081824"/>
+            <a:off x="3532517" y="373248"/>
+            <a:ext cx="8905487" cy="6255886"/>
+            <a:chOff x="2686712" y="1776176"/>
+            <a:chExt cx="6584590" cy="5081824"/>
           </a:xfrm>
         </p:grpSpPr>
         <p:pic>
@@ -13249,7 +12867,7 @@
           </p:blipFill>
           <p:spPr>
             <a:xfrm>
-              <a:off x="2662689" y="4216992"/>
+              <a:off x="2686713" y="4216992"/>
               <a:ext cx="3433310" cy="2641008"/>
             </a:xfrm>
             <a:prstGeom prst="rect">
@@ -13279,7 +12897,7 @@
           </p:blipFill>
           <p:spPr>
             <a:xfrm>
-              <a:off x="2662689" y="1776176"/>
+              <a:off x="2686712" y="1776176"/>
               <a:ext cx="3433310" cy="2641008"/>
             </a:xfrm>
             <a:prstGeom prst="rect">
@@ -13348,6 +12966,302 @@
           </p:spPr>
         </p:pic>
       </p:grpSp>
+      <p:sp>
+        <p:nvSpPr>
+          <p:cNvPr id="48" name="Tekst — symbol zastępczy 47">
+            <a:extLst>
+              <a:ext uri="{FF2B5EF4-FFF2-40B4-BE49-F238E27FC236}">
+                <a16:creationId xmlns:a16="http://schemas.microsoft.com/office/drawing/2014/main" id="{EE8B86B4-61AE-484E-9C6C-689C6BFFADE0}"/>
+              </a:ext>
+            </a:extLst>
+          </p:cNvPr>
+          <p:cNvSpPr>
+            <a:spLocks noGrp="1"/>
+          </p:cNvSpPr>
+          <p:nvPr>
+            <p:ph type="body" sz="quarter" idx="17"/>
+          </p:nvPr>
+        </p:nvSpPr>
+        <p:spPr>
+          <a:xfrm>
+            <a:off x="1093644" y="1819719"/>
+            <a:ext cx="1828510" cy="859743"/>
+          </a:xfrm>
+        </p:spPr>
+        <p:txBody>
+          <a:bodyPr rtlCol="0"/>
+          <a:lstStyle/>
+          <a:p>
+            <a:pPr rtl="0"/>
+            <a:r>
+              <a:rPr lang="pl-PL" dirty="0"/>
+              <a:t>modele</a:t>
+            </a:r>
+          </a:p>
+        </p:txBody>
+      </p:sp>
+      <p:sp>
+        <p:nvSpPr>
+          <p:cNvPr id="60" name="Tekst — symbol zastępczy 59">
+            <a:extLst>
+              <a:ext uri="{FF2B5EF4-FFF2-40B4-BE49-F238E27FC236}">
+                <a16:creationId xmlns:a16="http://schemas.microsoft.com/office/drawing/2014/main" id="{93448483-F045-4E43-A037-C130C4E72DF7}"/>
+              </a:ext>
+            </a:extLst>
+          </p:cNvPr>
+          <p:cNvSpPr>
+            <a:spLocks noGrp="1"/>
+          </p:cNvSpPr>
+          <p:nvPr>
+            <p:ph type="body" sz="quarter" idx="16"/>
+          </p:nvPr>
+        </p:nvSpPr>
+        <p:spPr>
+          <a:xfrm>
+            <a:off x="855037" y="3188181"/>
+            <a:ext cx="2937452" cy="2213873"/>
+          </a:xfrm>
+        </p:spPr>
+        <p:txBody>
+          <a:bodyPr rtlCol="0">
+            <a:normAutofit/>
+          </a:bodyPr>
+          <a:lstStyle/>
+          <a:p>
+            <a:pPr algn="l" rtl="0"/>
+            <a:r>
+              <a:rPr lang="pl-PL" sz="1200" dirty="0"/>
+              <a:t>Przed wyborem właściwego modelu wykonaliśmy szereg predykcji na takich modelach jak:</a:t>
+            </a:r>
+          </a:p>
+          <a:p>
+            <a:pPr marL="285750" indent="-285750" algn="l" rtl="0">
+              <a:buFont typeface="Arial" panose="020B0604020202020204" pitchFamily="34" charset="0"/>
+              <a:buChar char="•"/>
+            </a:pPr>
+            <a:r>
+              <a:rPr lang="pl-PL" sz="1200" dirty="0" err="1"/>
+              <a:t>Linear</a:t>
+            </a:r>
+            <a:r>
+              <a:rPr lang="pl-PL" sz="1200" dirty="0"/>
+              <a:t> </a:t>
+            </a:r>
+            <a:r>
+              <a:rPr lang="pl-PL" sz="1200" dirty="0" err="1"/>
+              <a:t>Regression</a:t>
+            </a:r>
+            <a:endParaRPr lang="pl-PL" sz="1200" dirty="0"/>
+          </a:p>
+          <a:p>
+            <a:pPr marL="285750" indent="-285750" algn="l" rtl="0">
+              <a:buFont typeface="Arial" panose="020B0604020202020204" pitchFamily="34" charset="0"/>
+              <a:buChar char="•"/>
+            </a:pPr>
+            <a:r>
+              <a:rPr lang="pl-PL" sz="1200" dirty="0" err="1"/>
+              <a:t>Random</a:t>
+            </a:r>
+            <a:r>
+              <a:rPr lang="pl-PL" sz="1200" dirty="0"/>
+              <a:t> </a:t>
+            </a:r>
+            <a:r>
+              <a:rPr lang="pl-PL" sz="1200" dirty="0" err="1"/>
+              <a:t>Forest</a:t>
+            </a:r>
+            <a:r>
+              <a:rPr lang="pl-PL" sz="1200" dirty="0"/>
+              <a:t> </a:t>
+            </a:r>
+            <a:r>
+              <a:rPr lang="pl-PL" sz="1200" dirty="0" err="1"/>
+              <a:t>Regressor</a:t>
+            </a:r>
+            <a:endParaRPr lang="pl-PL" sz="1200" dirty="0"/>
+          </a:p>
+          <a:p>
+            <a:pPr marL="285750" indent="-285750" algn="l" rtl="0">
+              <a:buFont typeface="Arial" panose="020B0604020202020204" pitchFamily="34" charset="0"/>
+              <a:buChar char="•"/>
+            </a:pPr>
+            <a:r>
+              <a:rPr lang="pl-PL" sz="1200" dirty="0" err="1"/>
+              <a:t>Decision</a:t>
+            </a:r>
+            <a:r>
+              <a:rPr lang="pl-PL" sz="1200" dirty="0"/>
+              <a:t> </a:t>
+            </a:r>
+            <a:r>
+              <a:rPr lang="pl-PL" sz="1200" dirty="0" err="1"/>
+              <a:t>TreeRegression</a:t>
+            </a:r>
+            <a:endParaRPr lang="pl-PL" sz="1200" dirty="0"/>
+          </a:p>
+          <a:p>
+            <a:pPr marL="285750" indent="-285750" algn="l" rtl="0">
+              <a:buFont typeface="Arial" panose="020B0604020202020204" pitchFamily="34" charset="0"/>
+              <a:buChar char="•"/>
+            </a:pPr>
+            <a:r>
+              <a:rPr lang="pl-PL" sz="1200" dirty="0"/>
+              <a:t>XGBOOST</a:t>
+            </a:r>
+          </a:p>
+        </p:txBody>
+      </p:sp>
+      <p:sp>
+        <p:nvSpPr>
+          <p:cNvPr id="36" name="Data — symbol zastępczy 35">
+            <a:extLst>
+              <a:ext uri="{FF2B5EF4-FFF2-40B4-BE49-F238E27FC236}">
+                <a16:creationId xmlns:a16="http://schemas.microsoft.com/office/drawing/2014/main" id="{10694545-A8FE-483D-94C3-24FA9AB6BE91}"/>
+              </a:ext>
+            </a:extLst>
+          </p:cNvPr>
+          <p:cNvSpPr>
+            <a:spLocks noGrp="1"/>
+          </p:cNvSpPr>
+          <p:nvPr>
+            <p:ph type="dt" sz="half" idx="10"/>
+          </p:nvPr>
+        </p:nvSpPr>
+        <p:spPr>
+          <a:xfrm>
+            <a:off x="838200" y="6515753"/>
+            <a:ext cx="2743200" cy="205722"/>
+          </a:xfrm>
+        </p:spPr>
+        <p:txBody>
+          <a:bodyPr rtlCol="0"/>
+          <a:lstStyle/>
+          <a:p>
+            <a:pPr rtl="0"/>
+            <a:r>
+              <a:rPr lang="pl-PL" dirty="0"/>
+              <a:t>2022-05-29</a:t>
+            </a:r>
+          </a:p>
+        </p:txBody>
+      </p:sp>
+      <p:sp>
+        <p:nvSpPr>
+          <p:cNvPr id="37" name="Stopka — symbol zastępczy 36">
+            <a:extLst>
+              <a:ext uri="{FF2B5EF4-FFF2-40B4-BE49-F238E27FC236}">
+                <a16:creationId xmlns:a16="http://schemas.microsoft.com/office/drawing/2014/main" id="{75D88A5F-229A-4F6F-BF0E-AC5CFF4F45DE}"/>
+              </a:ext>
+            </a:extLst>
+          </p:cNvPr>
+          <p:cNvSpPr>
+            <a:spLocks noGrp="1"/>
+          </p:cNvSpPr>
+          <p:nvPr>
+            <p:ph type="ftr" sz="quarter" idx="11"/>
+          </p:nvPr>
+        </p:nvSpPr>
+        <p:spPr>
+          <a:xfrm>
+            <a:off x="4038600" y="6515753"/>
+            <a:ext cx="4114800" cy="205722"/>
+          </a:xfrm>
+        </p:spPr>
+        <p:txBody>
+          <a:bodyPr rtlCol="0"/>
+          <a:lstStyle/>
+          <a:p>
+            <a:pPr rtl="0"/>
+            <a:r>
+              <a:rPr lang="pl-PL" dirty="0" err="1"/>
+              <a:t>Rewarding</a:t>
+            </a:r>
+            <a:r>
+              <a:rPr lang="pl-PL" dirty="0"/>
+              <a:t> </a:t>
+            </a:r>
+            <a:r>
+              <a:rPr lang="pl-PL" dirty="0" err="1"/>
+              <a:t>insurance</a:t>
+            </a:r>
+            <a:endParaRPr lang="pl-PL" dirty="0"/>
+          </a:p>
+        </p:txBody>
+      </p:sp>
+      <p:sp>
+        <p:nvSpPr>
+          <p:cNvPr id="38" name="Numer slajdu — symbol zastępczy 37">
+            <a:extLst>
+              <a:ext uri="{FF2B5EF4-FFF2-40B4-BE49-F238E27FC236}">
+                <a16:creationId xmlns:a16="http://schemas.microsoft.com/office/drawing/2014/main" id="{75D4274A-BC04-4AC5-87FA-7EC4AD5BB950}"/>
+              </a:ext>
+            </a:extLst>
+          </p:cNvPr>
+          <p:cNvSpPr>
+            <a:spLocks noGrp="1"/>
+          </p:cNvSpPr>
+          <p:nvPr>
+            <p:ph type="sldNum" sz="quarter" idx="12"/>
+          </p:nvPr>
+        </p:nvSpPr>
+        <p:spPr>
+          <a:xfrm>
+            <a:off x="8610600" y="6515753"/>
+            <a:ext cx="2743200" cy="205722"/>
+          </a:xfrm>
+        </p:spPr>
+        <p:txBody>
+          <a:bodyPr rtlCol="0"/>
+          <a:lstStyle/>
+          <a:p>
+            <a:pPr rtl="0"/>
+            <a:fld id="{BF860B6F-2FE3-4DE6-9496-980E987E7466}" type="slidenum">
+              <a:rPr lang="pl-PL" smtClean="0"/>
+              <a:pPr/>
+              <a:t>10</a:t>
+            </a:fld>
+            <a:endParaRPr lang="pl-PL"/>
+          </a:p>
+        </p:txBody>
+      </p:sp>
+      <p:sp>
+        <p:nvSpPr>
+          <p:cNvPr id="22" name="Tytuł 21">
+            <a:extLst>
+              <a:ext uri="{FF2B5EF4-FFF2-40B4-BE49-F238E27FC236}">
+                <a16:creationId xmlns:a16="http://schemas.microsoft.com/office/drawing/2014/main" id="{C972A2AA-2BCB-4C1E-90E7-26B47F79D5F2}"/>
+              </a:ext>
+            </a:extLst>
+          </p:cNvPr>
+          <p:cNvSpPr>
+            <a:spLocks noGrp="1"/>
+          </p:cNvSpPr>
+          <p:nvPr>
+            <p:ph type="title"/>
+          </p:nvPr>
+        </p:nvSpPr>
+        <p:spPr>
+          <a:xfrm>
+            <a:off x="788522" y="510233"/>
+            <a:ext cx="4048051" cy="639192"/>
+          </a:xfrm>
+        </p:spPr>
+        <p:txBody>
+          <a:bodyPr rtlCol="0"/>
+          <a:lstStyle/>
+          <a:p>
+            <a:pPr algn="l" rtl="0"/>
+            <a:r>
+              <a:rPr lang="pl-PL" dirty="0">
+                <a:solidFill>
+                  <a:schemeClr val="accent4"/>
+                </a:solidFill>
+              </a:rPr>
+              <a:t>Wybór modelu ML</a:t>
+            </a:r>
+          </a:p>
+        </p:txBody>
+      </p:sp>
     </p:spTree>
     <p:extLst>
       <p:ext uri="{BB962C8B-B14F-4D97-AF65-F5344CB8AC3E}">
@@ -13542,8 +13456,8 @@
         </p:nvSpPr>
         <p:spPr>
           <a:xfrm>
-            <a:off x="8893222" y="755270"/>
-            <a:ext cx="1706966" cy="426393"/>
+            <a:off x="7449807" y="755270"/>
+            <a:ext cx="3150381" cy="426393"/>
           </a:xfrm>
         </p:spPr>
         <p:txBody>
@@ -13552,7 +13466,7 @@
           <a:p>
             <a:r>
               <a:rPr lang="pl-PL" dirty="0"/>
-              <a:t>Słów kilka</a:t>
+              <a:t>celna I najszybsza predykcja</a:t>
             </a:r>
           </a:p>
         </p:txBody>
@@ -16986,10 +16900,10 @@
       </p:grpSpPr>
       <p:pic>
         <p:nvPicPr>
-          <p:cNvPr id="26" name="Obraz — symbol zastępczy 25" descr="Lekarz rozmawiający z pacjentem">
-            <a:extLst>
-              <a:ext uri="{FF2B5EF4-FFF2-40B4-BE49-F238E27FC236}">
-                <a16:creationId xmlns:a16="http://schemas.microsoft.com/office/drawing/2014/main" id="{7FE1AC9B-A57B-4353-8973-F920411751FA}"/>
+          <p:cNvPr id="10" name="Obraz — symbol zastępczy 7" descr="Zbliżenie pipety upuszczającej kroplę płynu na płytkę Petriego">
+            <a:extLst>
+              <a:ext uri="{FF2B5EF4-FFF2-40B4-BE49-F238E27FC236}">
+                <a16:creationId xmlns:a16="http://schemas.microsoft.com/office/drawing/2014/main" id="{FAB08D6F-E051-4336-9514-35C67978A1F5}"/>
               </a:ext>
             </a:extLst>
           </p:cNvPr>
@@ -17008,22 +16922,78 @@
               </a:ext>
             </a:extLst>
           </a:blip>
-          <a:srcRect/>
+          <a:srcRect l="412" r="412"/>
           <a:stretch/>
         </p:blipFill>
         <p:spPr>
-          <a:xfrm>
-            <a:off x="0" y="1057275"/>
-            <a:ext cx="12191999" cy="5295900"/>
+          <a:xfrm flipH="1">
+            <a:off x="6096000" y="466725"/>
+            <a:ext cx="7834312" cy="5924550"/>
           </a:xfrm>
         </p:spPr>
       </p:pic>
       <p:sp>
         <p:nvSpPr>
-          <p:cNvPr id="31" name="Tytuł 30">
-            <a:extLst>
-              <a:ext uri="{FF2B5EF4-FFF2-40B4-BE49-F238E27FC236}">
-                <a16:creationId xmlns:a16="http://schemas.microsoft.com/office/drawing/2014/main" id="{BA3B1DAF-0A47-4D59-9DC4-7431D66560EF}"/>
+          <p:cNvPr id="160" name="Tekst — symbol zastępczy 159">
+            <a:extLst>
+              <a:ext uri="{FF2B5EF4-FFF2-40B4-BE49-F238E27FC236}">
+                <a16:creationId xmlns:a16="http://schemas.microsoft.com/office/drawing/2014/main" id="{494105F6-F94F-433A-BC1D-B4F5A9AFEEA9}"/>
+              </a:ext>
+            </a:extLst>
+          </p:cNvPr>
+          <p:cNvSpPr>
+            <a:spLocks noGrp="1"/>
+          </p:cNvSpPr>
+          <p:nvPr>
+            <p:ph type="body" sz="quarter" idx="16"/>
+          </p:nvPr>
+        </p:nvSpPr>
+        <p:spPr>
+          <a:xfrm>
+            <a:off x="502594" y="2579352"/>
+            <a:ext cx="3902307" cy="1423068"/>
+          </a:xfrm>
+        </p:spPr>
+        <p:txBody>
+          <a:bodyPr rtlCol="0"/>
+          <a:lstStyle/>
+          <a:p>
+            <a:pPr rtl="0"/>
+            <a:r>
+              <a:rPr lang="pl-PL" dirty="0">
+                <a:solidFill>
+                  <a:schemeClr val="tx1"/>
+                </a:solidFill>
+              </a:rPr>
+              <a:t>grupa-bez-nazwy</a:t>
+            </a:r>
+          </a:p>
+          <a:p>
+            <a:pPr rtl="0"/>
+            <a:endParaRPr lang="pl-PL" dirty="0">
+              <a:solidFill>
+                <a:schemeClr val="tx1"/>
+              </a:solidFill>
+            </a:endParaRPr>
+          </a:p>
+          <a:p>
+            <a:r>
+              <a:rPr lang="pl-PL" dirty="0">
+                <a:solidFill>
+                  <a:schemeClr val="tx1"/>
+                </a:solidFill>
+              </a:rPr>
+              <a:t>https://github.com/infoshareacademy/jdszr6-grupa-bez-nazwy</a:t>
+            </a:r>
+          </a:p>
+        </p:txBody>
+      </p:sp>
+      <p:sp>
+        <p:nvSpPr>
+          <p:cNvPr id="54" name="Tytuł 53">
+            <a:extLst>
+              <a:ext uri="{FF2B5EF4-FFF2-40B4-BE49-F238E27FC236}">
+                <a16:creationId xmlns:a16="http://schemas.microsoft.com/office/drawing/2014/main" id="{C96D6B90-01A4-4E2C-A3C5-57E67B888825}"/>
               </a:ext>
             </a:extLst>
           </p:cNvPr>
@@ -17034,72 +17004,34 @@
             <p:ph type="title"/>
           </p:nvPr>
         </p:nvSpPr>
-        <p:spPr/>
+        <p:spPr>
+          <a:xfrm>
+            <a:off x="451759" y="627100"/>
+            <a:ext cx="4848976" cy="1248116"/>
+          </a:xfrm>
+        </p:spPr>
         <p:txBody>
           <a:bodyPr rtlCol="0"/>
           <a:lstStyle/>
           <a:p>
             <a:pPr algn="l" rtl="0"/>
             <a:r>
-              <a:rPr lang="pl-PL" dirty="0">
+              <a:rPr lang="pl-PL" sz="2400" dirty="0">
                 <a:solidFill>
                   <a:schemeClr val="accent4"/>
                 </a:solidFill>
               </a:rPr>
-              <a:t>Najważniejsze</a:t>
-            </a:r>
-          </a:p>
-        </p:txBody>
-      </p:sp>
-      <p:sp>
-        <p:nvSpPr>
-          <p:cNvPr id="24" name="Tekst — symbol zastępczy 23">
-            <a:extLst>
-              <a:ext uri="{FF2B5EF4-FFF2-40B4-BE49-F238E27FC236}">
-                <a16:creationId xmlns:a16="http://schemas.microsoft.com/office/drawing/2014/main" id="{DFA678B9-627C-49D9-B624-2E3548C96F03}"/>
-              </a:ext>
-            </a:extLst>
-          </p:cNvPr>
-          <p:cNvSpPr>
-            <a:spLocks noGrp="1"/>
-          </p:cNvSpPr>
-          <p:nvPr>
-            <p:ph type="body" sz="quarter" idx="16"/>
-          </p:nvPr>
-        </p:nvSpPr>
-        <p:spPr>
-          <a:xfrm>
-            <a:off x="1219969" y="2525086"/>
-            <a:ext cx="5172932" cy="436227"/>
-          </a:xfrm>
-        </p:spPr>
-        <p:txBody>
-          <a:bodyPr rtlCol="0">
-            <a:normAutofit/>
-          </a:bodyPr>
-          <a:lstStyle/>
-          <a:p>
-            <a:pPr rtl="0"/>
-            <a:r>
-              <a:rPr lang="pl-PL" dirty="0"/>
-              <a:t>Przejdźmy do prezentacji aplikacji </a:t>
-            </a:r>
-            <a:r>
-              <a:rPr lang="pl-PL" dirty="0">
-                <a:sym typeface="Wingdings" panose="05000000000000000000" pitchFamily="2" charset="2"/>
-              </a:rPr>
-              <a:t></a:t>
-            </a:r>
-            <a:endParaRPr lang="pl-PL" dirty="0"/>
-          </a:p>
-        </p:txBody>
-      </p:sp>
-      <p:sp>
-        <p:nvSpPr>
-          <p:cNvPr id="2" name="Data — symbol zastępczy 1">
-            <a:extLst>
-              <a:ext uri="{FF2B5EF4-FFF2-40B4-BE49-F238E27FC236}">
-                <a16:creationId xmlns:a16="http://schemas.microsoft.com/office/drawing/2014/main" id="{DD90BED3-A8E4-4AF4-9D86-BF7D33CA691D}"/>
+              <a:t>Dziękujemy i zapraszamy do prezentacji aplikacji</a:t>
+            </a:r>
+          </a:p>
+        </p:txBody>
+      </p:sp>
+      <p:sp>
+        <p:nvSpPr>
+          <p:cNvPr id="8" name="Data — symbol zastępczy 1">
+            <a:extLst>
+              <a:ext uri="{FF2B5EF4-FFF2-40B4-BE49-F238E27FC236}">
+                <a16:creationId xmlns:a16="http://schemas.microsoft.com/office/drawing/2014/main" id="{892A9D0C-33B9-4862-9BE8-3E460E743558}"/>
               </a:ext>
             </a:extLst>
           </p:cNvPr>
@@ -17122,18 +17054,18 @@
           <a:p>
             <a:pPr rtl="0"/>
             <a:r>
-              <a:rPr lang="pl-PL"/>
-              <a:t>20XX-08-03</a:t>
-            </a:r>
-          </a:p>
-        </p:txBody>
-      </p:sp>
-      <p:sp>
-        <p:nvSpPr>
-          <p:cNvPr id="3" name="Stopka — symbol zastępczy 2">
-            <a:extLst>
-              <a:ext uri="{FF2B5EF4-FFF2-40B4-BE49-F238E27FC236}">
-                <a16:creationId xmlns:a16="http://schemas.microsoft.com/office/drawing/2014/main" id="{CB8AE6D0-8ACF-4881-93B5-5304094DB6B8}"/>
+              <a:rPr lang="pl-PL" dirty="0"/>
+              <a:t>2022-05-29</a:t>
+            </a:r>
+          </a:p>
+        </p:txBody>
+      </p:sp>
+      <p:sp>
+        <p:nvSpPr>
+          <p:cNvPr id="9" name="Stopka — symbol zastępczy 2">
+            <a:extLst>
+              <a:ext uri="{FF2B5EF4-FFF2-40B4-BE49-F238E27FC236}">
+                <a16:creationId xmlns:a16="http://schemas.microsoft.com/office/drawing/2014/main" id="{8D8E2083-8CA3-475A-9F5D-85DAA7F59772}"/>
               </a:ext>
             </a:extLst>
           </p:cNvPr>
@@ -17156,18 +17088,27 @@
           <a:p>
             <a:pPr rtl="0"/>
             <a:r>
-              <a:rPr lang="pl-PL"/>
-              <a:t>PREZENTACJA</a:t>
-            </a:r>
-          </a:p>
-        </p:txBody>
-      </p:sp>
-      <p:sp>
-        <p:nvSpPr>
-          <p:cNvPr id="4" name="Numer slajdu — symbol zastępczy 3">
-            <a:extLst>
-              <a:ext uri="{FF2B5EF4-FFF2-40B4-BE49-F238E27FC236}">
-                <a16:creationId xmlns:a16="http://schemas.microsoft.com/office/drawing/2014/main" id="{E5273321-CCC9-4D70-837F-ED5C0E7B3192}"/>
+              <a:rPr lang="pl-PL" dirty="0" err="1"/>
+              <a:t>Rewarding</a:t>
+            </a:r>
+            <a:r>
+              <a:rPr lang="pl-PL" dirty="0"/>
+              <a:t> </a:t>
+            </a:r>
+            <a:r>
+              <a:rPr lang="pl-PL" dirty="0" err="1"/>
+              <a:t>insurance</a:t>
+            </a:r>
+            <a:endParaRPr lang="pl-PL" dirty="0"/>
+          </a:p>
+        </p:txBody>
+      </p:sp>
+      <p:sp>
+        <p:nvSpPr>
+          <p:cNvPr id="11" name="Numer slajdu — symbol zastępczy 3">
+            <a:extLst>
+              <a:ext uri="{FF2B5EF4-FFF2-40B4-BE49-F238E27FC236}">
+                <a16:creationId xmlns:a16="http://schemas.microsoft.com/office/drawing/2014/main" id="{407C2C96-70F7-4B40-B529-39399F090B86}"/>
               </a:ext>
             </a:extLst>
           </p:cNvPr>
@@ -17201,7 +17142,7 @@
     </p:spTree>
     <p:extLst>
       <p:ext uri="{BB962C8B-B14F-4D97-AF65-F5344CB8AC3E}">
-        <p14:creationId xmlns:p14="http://schemas.microsoft.com/office/powerpoint/2010/main" val="884055489"/>
+        <p14:creationId xmlns:p14="http://schemas.microsoft.com/office/powerpoint/2010/main" val="1501914811"/>
       </p:ext>
     </p:extLst>
   </p:cSld>
@@ -17490,246 +17431,6 @@
 </p:sld>
 </file>
 
-<file path=ppt/slides/slide20.xml><?xml version="1.0" encoding="utf-8"?>
-<p:sld xmlns:a="http://schemas.openxmlformats.org/drawingml/2006/main" xmlns:r="http://schemas.openxmlformats.org/officeDocument/2006/relationships" xmlns:p="http://schemas.openxmlformats.org/presentationml/2006/main">
-  <p:cSld>
-    <p:spTree>
-      <p:nvGrpSpPr>
-        <p:cNvPr id="1" name=""/>
-        <p:cNvGrpSpPr/>
-        <p:nvPr/>
-      </p:nvGrpSpPr>
-      <p:grpSpPr>
-        <a:xfrm>
-          <a:off x="0" y="0"/>
-          <a:ext cx="0" cy="0"/>
-          <a:chOff x="0" y="0"/>
-          <a:chExt cx="0" cy="0"/>
-        </a:xfrm>
-      </p:grpSpPr>
-      <p:sp>
-        <p:nvSpPr>
-          <p:cNvPr id="2" name="Data — symbol zastępczy 1">
-            <a:extLst>
-              <a:ext uri="{FF2B5EF4-FFF2-40B4-BE49-F238E27FC236}">
-                <a16:creationId xmlns:a16="http://schemas.microsoft.com/office/drawing/2014/main" id="{8A8F06EF-AEC8-4862-8AED-24C0FC81F34A}"/>
-              </a:ext>
-            </a:extLst>
-          </p:cNvPr>
-          <p:cNvSpPr>
-            <a:spLocks noGrp="1"/>
-          </p:cNvSpPr>
-          <p:nvPr>
-            <p:ph type="dt" sz="half" idx="10"/>
-          </p:nvPr>
-        </p:nvSpPr>
-        <p:spPr>
-          <a:xfrm>
-            <a:off x="838200" y="6515753"/>
-            <a:ext cx="2743200" cy="205722"/>
-          </a:xfrm>
-        </p:spPr>
-        <p:txBody>
-          <a:bodyPr rtlCol="0"/>
-          <a:lstStyle/>
-          <a:p>
-            <a:pPr rtl="0"/>
-            <a:r>
-              <a:rPr lang="pl-PL"/>
-              <a:t>20XX-08-03</a:t>
-            </a:r>
-          </a:p>
-        </p:txBody>
-      </p:sp>
-      <p:sp>
-        <p:nvSpPr>
-          <p:cNvPr id="3" name="Stopka — symbol zastępczy 2">
-            <a:extLst>
-              <a:ext uri="{FF2B5EF4-FFF2-40B4-BE49-F238E27FC236}">
-                <a16:creationId xmlns:a16="http://schemas.microsoft.com/office/drawing/2014/main" id="{5099C0BB-4D6D-4D98-A44F-2C1FBA15A056}"/>
-              </a:ext>
-            </a:extLst>
-          </p:cNvPr>
-          <p:cNvSpPr>
-            <a:spLocks noGrp="1"/>
-          </p:cNvSpPr>
-          <p:nvPr>
-            <p:ph type="ftr" sz="quarter" idx="11"/>
-          </p:nvPr>
-        </p:nvSpPr>
-        <p:spPr>
-          <a:xfrm>
-            <a:off x="4038600" y="6515753"/>
-            <a:ext cx="4114800" cy="205722"/>
-          </a:xfrm>
-        </p:spPr>
-        <p:txBody>
-          <a:bodyPr rtlCol="0"/>
-          <a:lstStyle/>
-          <a:p>
-            <a:pPr rtl="0"/>
-            <a:r>
-              <a:rPr lang="pl-PL"/>
-              <a:t>PREZENTACJA</a:t>
-            </a:r>
-          </a:p>
-        </p:txBody>
-      </p:sp>
-      <p:sp>
-        <p:nvSpPr>
-          <p:cNvPr id="4" name="Numer slajdu — symbol zastępczy 3">
-            <a:extLst>
-              <a:ext uri="{FF2B5EF4-FFF2-40B4-BE49-F238E27FC236}">
-                <a16:creationId xmlns:a16="http://schemas.microsoft.com/office/drawing/2014/main" id="{6589231E-2BB7-4BA4-A7BF-F2CDCEBBE5E5}"/>
-              </a:ext>
-            </a:extLst>
-          </p:cNvPr>
-          <p:cNvSpPr>
-            <a:spLocks noGrp="1"/>
-          </p:cNvSpPr>
-          <p:nvPr>
-            <p:ph type="sldNum" sz="quarter" idx="12"/>
-          </p:nvPr>
-        </p:nvSpPr>
-        <p:spPr>
-          <a:xfrm>
-            <a:off x="8610600" y="6515753"/>
-            <a:ext cx="2743200" cy="205722"/>
-          </a:xfrm>
-        </p:spPr>
-        <p:txBody>
-          <a:bodyPr rtlCol="0"/>
-          <a:lstStyle/>
-          <a:p>
-            <a:pPr rtl="0"/>
-            <a:fld id="{BF860B6F-2FE3-4DE6-9496-980E987E7466}" type="slidenum">
-              <a:rPr lang="pl-PL" smtClean="0"/>
-              <a:pPr rtl="0"/>
-              <a:t>20</a:t>
-            </a:fld>
-            <a:endParaRPr lang="pl-PL"/>
-          </a:p>
-        </p:txBody>
-      </p:sp>
-      <p:pic>
-        <p:nvPicPr>
-          <p:cNvPr id="10" name="Obraz — symbol zastępczy 7" descr="Zbliżenie pipety upuszczającej kroplę płynu na płytkę Petriego">
-            <a:extLst>
-              <a:ext uri="{FF2B5EF4-FFF2-40B4-BE49-F238E27FC236}">
-                <a16:creationId xmlns:a16="http://schemas.microsoft.com/office/drawing/2014/main" id="{FAB08D6F-E051-4336-9514-35C67978A1F5}"/>
-              </a:ext>
-            </a:extLst>
-          </p:cNvPr>
-          <p:cNvPicPr>
-            <a:picLocks noGrp="1" noChangeAspect="1"/>
-          </p:cNvPicPr>
-          <p:nvPr>
-            <p:ph type="pic" sz="quarter" idx="13"/>
-          </p:nvPr>
-        </p:nvPicPr>
-        <p:blipFill rotWithShape="1">
-          <a:blip r:embed="rId3">
-            <a:extLst>
-              <a:ext uri="{28A0092B-C50C-407E-A947-70E740481C1C}">
-                <a14:useLocalDpi xmlns:a14="http://schemas.microsoft.com/office/drawing/2010/main" val="0"/>
-              </a:ext>
-            </a:extLst>
-          </a:blip>
-          <a:srcRect l="412" r="412"/>
-          <a:stretch/>
-        </p:blipFill>
-        <p:spPr>
-          <a:xfrm flipH="1">
-            <a:off x="1809750" y="466725"/>
-            <a:ext cx="7834312" cy="5924550"/>
-          </a:xfrm>
-        </p:spPr>
-      </p:pic>
-      <p:sp>
-        <p:nvSpPr>
-          <p:cNvPr id="160" name="Tekst — symbol zastępczy 159">
-            <a:extLst>
-              <a:ext uri="{FF2B5EF4-FFF2-40B4-BE49-F238E27FC236}">
-                <a16:creationId xmlns:a16="http://schemas.microsoft.com/office/drawing/2014/main" id="{494105F6-F94F-433A-BC1D-B4F5A9AFEEA9}"/>
-              </a:ext>
-            </a:extLst>
-          </p:cNvPr>
-          <p:cNvSpPr>
-            <a:spLocks noGrp="1"/>
-          </p:cNvSpPr>
-          <p:nvPr>
-            <p:ph type="body" sz="quarter" idx="16"/>
-          </p:nvPr>
-        </p:nvSpPr>
-        <p:spPr>
-          <a:xfrm>
-            <a:off x="8699383" y="2579352"/>
-            <a:ext cx="2892542" cy="1423068"/>
-          </a:xfrm>
-        </p:spPr>
-        <p:txBody>
-          <a:bodyPr rtlCol="0"/>
-          <a:lstStyle/>
-          <a:p>
-            <a:pPr rtl="0"/>
-            <a:r>
-              <a:rPr lang="pl-PL" dirty="0"/>
-              <a:t>grupa-bez-nazwy</a:t>
-            </a:r>
-          </a:p>
-        </p:txBody>
-      </p:sp>
-      <p:sp>
-        <p:nvSpPr>
-          <p:cNvPr id="54" name="Tytuł 53">
-            <a:extLst>
-              <a:ext uri="{FF2B5EF4-FFF2-40B4-BE49-F238E27FC236}">
-                <a16:creationId xmlns:a16="http://schemas.microsoft.com/office/drawing/2014/main" id="{C96D6B90-01A4-4E2C-A3C5-57E67B888825}"/>
-              </a:ext>
-            </a:extLst>
-          </p:cNvPr>
-          <p:cNvSpPr>
-            <a:spLocks noGrp="1"/>
-          </p:cNvSpPr>
-          <p:nvPr>
-            <p:ph type="title"/>
-          </p:nvPr>
-        </p:nvSpPr>
-        <p:spPr>
-          <a:xfrm rot="16200000">
-            <a:off x="-1129259" y="3009387"/>
-            <a:ext cx="4138612" cy="562995"/>
-          </a:xfrm>
-        </p:spPr>
-        <p:txBody>
-          <a:bodyPr rtlCol="0"/>
-          <a:lstStyle/>
-          <a:p>
-            <a:pPr rtl="0"/>
-            <a:r>
-              <a:rPr lang="pl-PL" dirty="0">
-                <a:solidFill>
-                  <a:schemeClr val="accent4"/>
-                </a:solidFill>
-              </a:rPr>
-              <a:t>Dziękuję</a:t>
-            </a:r>
-          </a:p>
-        </p:txBody>
-      </p:sp>
-    </p:spTree>
-    <p:extLst>
-      <p:ext uri="{BB962C8B-B14F-4D97-AF65-F5344CB8AC3E}">
-        <p14:creationId xmlns:p14="http://schemas.microsoft.com/office/powerpoint/2010/main" val="1501914811"/>
-      </p:ext>
-    </p:extLst>
-  </p:cSld>
-  <p:clrMapOvr>
-    <a:masterClrMapping/>
-  </p:clrMapOvr>
-</p:sld>
-</file>
-
 <file path=ppt/slides/slide3.xml><?xml version="1.0" encoding="utf-8"?>
 <p:sld xmlns:a="http://schemas.openxmlformats.org/drawingml/2006/main" xmlns:r="http://schemas.openxmlformats.org/officeDocument/2006/relationships" xmlns:p="http://schemas.openxmlformats.org/presentationml/2006/main">
   <p:cSld>
@@ -17780,7 +17481,7 @@
                   <a:schemeClr val="accent4"/>
                 </a:solidFill>
               </a:rPr>
-              <a:t>Problemy</a:t>
+              <a:t>WYZWANIA</a:t>
             </a:r>
           </a:p>
         </p:txBody>
@@ -18274,7 +17975,7 @@
             <a:pPr rtl="0"/>
             <a:r>
               <a:rPr lang="pl-PL" dirty="0"/>
-              <a:t>Analiza sektora ubezpieczeń USA, koszty ubezpieczenia, odsetek ubezpieczonych wykorzystujących ubezpieczenie</a:t>
+              <a:t>Analiza sektora ubezpieczeń USA, koszty ubezpieczenia</a:t>
             </a:r>
           </a:p>
         </p:txBody>
@@ -18374,30 +18075,14 @@
         </p:spPr>
         <p:txBody>
           <a:bodyPr rtlCol="0">
-            <a:normAutofit fontScale="92500"/>
+            <a:normAutofit/>
           </a:bodyPr>
           <a:lstStyle/>
           <a:p>
             <a:pPr rtl="0"/>
             <a:r>
               <a:rPr lang="pl-PL" sz="1400" dirty="0"/>
-              <a:t>Stworzenie, łatwej w użyciu aplikacji webowej dla pracowników „</a:t>
-            </a:r>
-            <a:r>
-              <a:rPr lang="pl-PL" sz="1400" dirty="0" err="1"/>
-              <a:t>Kowalsky</a:t>
-            </a:r>
-            <a:r>
-              <a:rPr lang="pl-PL" sz="1400" dirty="0"/>
-              <a:t> </a:t>
-            </a:r>
-            <a:r>
-              <a:rPr lang="pl-PL" sz="1400" dirty="0" err="1"/>
-              <a:t>Insurance</a:t>
-            </a:r>
-            <a:r>
-              <a:rPr lang="pl-PL" sz="1400" dirty="0"/>
-              <a:t>”, pozwalającej na podstawie zebranych od klienta informacji, wyliczenie składki ubezpieczenia zdrowotnego</a:t>
+              <a:t>Stworzenie, łatwej w użyciu aplikacji webowej, pozwalającej na podstawie zebranych od klienta informacji, wyliczenie składki ubezpieczenia zdrowotnego</a:t>
             </a:r>
             <a:endParaRPr lang="pl-PL" dirty="0"/>
           </a:p>
@@ -18519,7 +18204,7 @@
             </a:r>
             <a:r>
               <a:rPr lang="pl-PL" sz="1400" dirty="0"/>
-              <a:t>” obszernej bazy danych z kosztami leczenia ubezpieczonych, stworzenie modelu przewidującego koszty leczenia potencjalnego klienta</a:t>
+              <a:t>” „obszernej” bazy danych z kosztami leczenia ubezpieczonych, stworzenie modelu przewidującego koszty leczenia potencjalnego klienta</a:t>
             </a:r>
           </a:p>
         </p:txBody>
@@ -18633,7 +18318,7 @@
               <a:pPr/>
               <a:t>4</a:t>
             </a:fld>
-            <a:endParaRPr lang="pl-PL"/>
+            <a:endParaRPr lang="pl-PL" dirty="0"/>
           </a:p>
         </p:txBody>
       </p:sp>
@@ -21520,6 +21205,15 @@
 </file>
 
 <file path=customXml/item2.xml><?xml version="1.0" encoding="utf-8"?>
+<?mso-contentType ?>
+<FormTemplates xmlns="http://schemas.microsoft.com/sharepoint/v3/contenttype/forms">
+  <Display>DocumentLibraryForm</Display>
+  <Edit>DocumentLibraryForm</Edit>
+  <New>DocumentLibraryForm</New>
+</FormTemplates>
+</file>
+
+<file path=customXml/item3.xml><?xml version="1.0" encoding="utf-8"?>
 <p:properties xmlns:p="http://schemas.microsoft.com/office/2006/metadata/properties" xmlns:xsi="http://www.w3.org/2001/XMLSchema-instance" xmlns:pc="http://schemas.microsoft.com/office/infopath/2007/PartnerControls">
   <documentManagement>
     <_ip_UnifiedCompliancePolicyUIAction xmlns="http://schemas.microsoft.com/sharepoint/v3" xsi:nil="true"/>
@@ -21536,15 +21230,6 @@
     <MediaServiceKeyPoints xmlns="71af3243-3dd4-4a8d-8c0d-dd76da1f02a5" xsi:nil="true"/>
   </documentManagement>
 </p:properties>
-</file>
-
-<file path=customXml/item3.xml><?xml version="1.0" encoding="utf-8"?>
-<?mso-contentType ?>
-<FormTemplates xmlns="http://schemas.microsoft.com/sharepoint/v3/contenttype/forms">
-  <Display>DocumentLibraryForm</Display>
-  <Edit>DocumentLibraryForm</Edit>
-  <New>DocumentLibraryForm</New>
-</FormTemplates>
 </file>
 
 <file path=customXml/itemProps1.xml><?xml version="1.0" encoding="utf-8"?>
@@ -21569,6 +21254,14 @@
 </file>
 
 <file path=customXml/itemProps2.xml><?xml version="1.0" encoding="utf-8"?>
+<ds:datastoreItem xmlns:ds="http://schemas.openxmlformats.org/officeDocument/2006/customXml" ds:itemID="{B7064F8B-46A2-4F22-9203-449568FB5893}">
+  <ds:schemaRefs>
+    <ds:schemaRef ds:uri="http://schemas.microsoft.com/sharepoint/v3/contenttype/forms"/>
+  </ds:schemaRefs>
+</ds:datastoreItem>
+</file>
+
+<file path=customXml/itemProps3.xml><?xml version="1.0" encoding="utf-8"?>
 <ds:datastoreItem xmlns:ds="http://schemas.openxmlformats.org/officeDocument/2006/customXml" ds:itemID="{33F4F0A7-9599-4FE3-A548-853A09CF0244}">
   <ds:schemaRefs>
     <ds:schemaRef ds:uri="http://schemas.microsoft.com/office/2006/metadata/properties"/>
@@ -21580,14 +21273,6 @@
 </ds:datastoreItem>
 </file>
 
-<file path=customXml/itemProps3.xml><?xml version="1.0" encoding="utf-8"?>
-<ds:datastoreItem xmlns:ds="http://schemas.openxmlformats.org/officeDocument/2006/customXml" ds:itemID="{B7064F8B-46A2-4F22-9203-449568FB5893}">
-  <ds:schemaRefs>
-    <ds:schemaRef ds:uri="http://schemas.microsoft.com/sharepoint/v3/contenttype/forms"/>
-  </ds:schemaRefs>
-</ds:datastoreItem>
-</file>
-
 <file path=docMetadata/LabelInfo.xml><?xml version="1.0" encoding="utf-8"?>
 <clbl:labelList xmlns:clbl="http://schemas.microsoft.com/office/2020/mipLabelMetadata">
   <clbl:label id="{f42aa342-8706-4288-bd11-ebb85995028c}" enabled="1" method="Standard" siteId="{72f988bf-86f1-41af-91ab-2d7cd011db47}" removed="0"/>
